--- a/docs/lectures/00-Mini.pptx
+++ b/docs/lectures/00-Mini.pptx
@@ -201,7 +201,7 @@
           <a:p>
             <a:fld id="{EBBA9A62-8DDB-0E41-B256-304B37729760}" type="datetimeFigureOut">
               <a:rPr lang="en-US" smtClean="0"/>
-              <a:t>2/22/16</a:t>
+              <a:t>5/21/16</a:t>
             </a:fld>
             <a:endParaRPr lang="en-US"/>
           </a:p>
@@ -1320,7 +1320,7 @@
           <a:p>
             <a:fld id="{843616F3-59E4-1848-8639-5E6A7639CF96}" type="datetimeFigureOut">
               <a:rPr lang="en-US" smtClean="0"/>
-              <a:t>2/22/16</a:t>
+              <a:t>5/21/16</a:t>
             </a:fld>
             <a:endParaRPr lang="en-US"/>
           </a:p>
@@ -1490,7 +1490,7 @@
           <a:p>
             <a:fld id="{843616F3-59E4-1848-8639-5E6A7639CF96}" type="datetimeFigureOut">
               <a:rPr lang="en-US" smtClean="0"/>
-              <a:t>2/22/16</a:t>
+              <a:t>5/21/16</a:t>
             </a:fld>
             <a:endParaRPr lang="en-US"/>
           </a:p>
@@ -1670,7 +1670,7 @@
           <a:p>
             <a:fld id="{843616F3-59E4-1848-8639-5E6A7639CF96}" type="datetimeFigureOut">
               <a:rPr lang="en-US" smtClean="0"/>
-              <a:t>2/22/16</a:t>
+              <a:t>5/21/16</a:t>
             </a:fld>
             <a:endParaRPr lang="en-US"/>
           </a:p>
@@ -1840,7 +1840,7 @@
           <a:p>
             <a:fld id="{843616F3-59E4-1848-8639-5E6A7639CF96}" type="datetimeFigureOut">
               <a:rPr lang="en-US" smtClean="0"/>
-              <a:t>2/22/16</a:t>
+              <a:t>5/21/16</a:t>
             </a:fld>
             <a:endParaRPr lang="en-US"/>
           </a:p>
@@ -2086,7 +2086,7 @@
           <a:p>
             <a:fld id="{843616F3-59E4-1848-8639-5E6A7639CF96}" type="datetimeFigureOut">
               <a:rPr lang="en-US" smtClean="0"/>
-              <a:t>2/22/16</a:t>
+              <a:t>5/21/16</a:t>
             </a:fld>
             <a:endParaRPr lang="en-US"/>
           </a:p>
@@ -2374,7 +2374,7 @@
           <a:p>
             <a:fld id="{843616F3-59E4-1848-8639-5E6A7639CF96}" type="datetimeFigureOut">
               <a:rPr lang="en-US" smtClean="0"/>
-              <a:t>2/22/16</a:t>
+              <a:t>5/21/16</a:t>
             </a:fld>
             <a:endParaRPr lang="en-US"/>
           </a:p>
@@ -2796,7 +2796,7 @@
           <a:p>
             <a:fld id="{843616F3-59E4-1848-8639-5E6A7639CF96}" type="datetimeFigureOut">
               <a:rPr lang="en-US" smtClean="0"/>
-              <a:t>2/22/16</a:t>
+              <a:t>5/21/16</a:t>
             </a:fld>
             <a:endParaRPr lang="en-US"/>
           </a:p>
@@ -2914,7 +2914,7 @@
           <a:p>
             <a:fld id="{843616F3-59E4-1848-8639-5E6A7639CF96}" type="datetimeFigureOut">
               <a:rPr lang="en-US" smtClean="0"/>
-              <a:t>2/22/16</a:t>
+              <a:t>5/21/16</a:t>
             </a:fld>
             <a:endParaRPr lang="en-US"/>
           </a:p>
@@ -3009,7 +3009,7 @@
           <a:p>
             <a:fld id="{843616F3-59E4-1848-8639-5E6A7639CF96}" type="datetimeFigureOut">
               <a:rPr lang="en-US" smtClean="0"/>
-              <a:t>2/22/16</a:t>
+              <a:t>5/21/16</a:t>
             </a:fld>
             <a:endParaRPr lang="en-US"/>
           </a:p>
@@ -3286,7 +3286,7 @@
           <a:p>
             <a:fld id="{843616F3-59E4-1848-8639-5E6A7639CF96}" type="datetimeFigureOut">
               <a:rPr lang="en-US" smtClean="0"/>
-              <a:t>2/22/16</a:t>
+              <a:t>5/21/16</a:t>
             </a:fld>
             <a:endParaRPr lang="en-US"/>
           </a:p>
@@ -3543,7 +3543,7 @@
           <a:p>
             <a:fld id="{843616F3-59E4-1848-8639-5E6A7639CF96}" type="datetimeFigureOut">
               <a:rPr lang="en-US" smtClean="0"/>
-              <a:t>2/22/16</a:t>
+              <a:t>5/21/16</a:t>
             </a:fld>
             <a:endParaRPr lang="en-US"/>
           </a:p>
@@ -3756,7 +3756,7 @@
           <a:p>
             <a:fld id="{843616F3-59E4-1848-8639-5E6A7639CF96}" type="datetimeFigureOut">
               <a:rPr lang="en-US" smtClean="0"/>
-              <a:t>2/22/16</a:t>
+              <a:t>5/21/16</a:t>
             </a:fld>
             <a:endParaRPr lang="en-US"/>
           </a:p>
@@ -4308,6 +4308,39 @@
           </a:extLst>
         </p:spPr>
       </p:pic>
+      <p:pic>
+        <p:nvPicPr>
+          <p:cNvPr id="4" name="Picture 3" descr="tsugi-logo.png"/>
+          <p:cNvPicPr>
+            <a:picLocks noChangeAspect="1"/>
+          </p:cNvPicPr>
+          <p:nvPr/>
+        </p:nvPicPr>
+        <p:blipFill>
+          <a:blip r:embed="rId4">
+            <a:extLst>
+              <a:ext uri="{28A0092B-C50C-407E-A947-70E740481C1C}">
+                <a14:useLocalDpi xmlns:a14="http://schemas.microsoft.com/office/drawing/2010/main" val="0"/>
+              </a:ext>
+            </a:extLst>
+          </a:blip>
+          <a:stretch>
+            <a:fillRect/>
+          </a:stretch>
+        </p:blipFill>
+        <p:spPr>
+          <a:xfrm>
+            <a:off x="5963412" y="5522072"/>
+            <a:ext cx="2837688" cy="841248"/>
+          </a:xfrm>
+          <a:prstGeom prst="rect">
+            <a:avLst/>
+          </a:prstGeom>
+          <a:solidFill>
+            <a:schemeClr val="tx1"/>
+          </a:solidFill>
+        </p:spPr>
+      </p:pic>
     </p:spTree>
     <p:extLst>
       <p:ext uri="{BB962C8B-B14F-4D97-AF65-F5344CB8AC3E}">
@@ -4369,8 +4402,13 @@
           <a:p>
             <a:r>
               <a:rPr lang="en-US" sz="2800" dirty="0" smtClean="0"/>
-              <a:t>Still very emergent</a:t>
-            </a:r>
+              <a:t>Still </a:t>
+            </a:r>
+            <a:r>
+              <a:rPr lang="en-US" sz="2800" dirty="0" smtClean="0"/>
+              <a:t>emergent</a:t>
+            </a:r>
+            <a:endParaRPr lang="en-US" sz="2800" dirty="0" smtClean="0"/>
           </a:p>
           <a:p>
             <a:pPr lvl="1"/>
@@ -4390,7 +4428,11 @@
             </a:r>
             <a:r>
               <a:rPr lang="en-US" dirty="0" smtClean="0"/>
-              <a:t>lpha release May 2016</a:t>
+              <a:t>lpha release </a:t>
+            </a:r>
+            <a:r>
+              <a:rPr lang="en-US" dirty="0" smtClean="0"/>
+              <a:t>June 2016</a:t>
             </a:r>
             <a:endParaRPr lang="en-US" dirty="0" smtClean="0"/>
           </a:p>
@@ -4437,7 +4479,7 @@
         <p:spPr>
           <a:xfrm>
             <a:off x="1481668" y="3819056"/>
-            <a:ext cx="5670994" cy="461665"/>
+            <a:ext cx="5670994" cy="830997"/>
           </a:xfrm>
           <a:prstGeom prst="rect">
             <a:avLst/>
@@ -4450,6 +4492,36 @@
           <a:lstStyle/>
           <a:p>
             <a:r>
+              <a:rPr lang="en-US" sz="2400" dirty="0" smtClean="0"/>
+              <a:t>https</a:t>
+            </a:r>
+            <a:r>
+              <a:rPr lang="en-US" sz="2400" dirty="0"/>
+              <a:t>://</a:t>
+            </a:r>
+            <a:r>
+              <a:rPr lang="en-US" sz="2400" dirty="0" err="1"/>
+              <a:t>github.com</a:t>
+            </a:r>
+            <a:r>
+              <a:rPr lang="en-US" sz="2400" dirty="0"/>
+              <a:t>/csev/</a:t>
+            </a:r>
+            <a:r>
+              <a:rPr lang="en-US" sz="2400" dirty="0" err="1"/>
+              <a:t>tsugi</a:t>
+            </a:r>
+            <a:r>
+              <a:rPr lang="en-US" sz="2400" dirty="0"/>
+              <a:t>-</a:t>
+            </a:r>
+            <a:r>
+              <a:rPr lang="en-US" sz="2400" dirty="0" smtClean="0"/>
+              <a:t>node-sample</a:t>
+            </a:r>
+          </a:p>
+          <a:p>
+            <a:r>
               <a:rPr lang="en-US" sz="2400" dirty="0"/>
               <a:t>https://</a:t>
             </a:r>
@@ -4467,7 +4539,11 @@
             </a:r>
             <a:r>
               <a:rPr lang="en-US" sz="2400" dirty="0"/>
-              <a:t>-node-sample</a:t>
+              <a:t>-</a:t>
+            </a:r>
+            <a:r>
+              <a:rPr lang="en-US" sz="2400" dirty="0" smtClean="0"/>
+              <a:t>node</a:t>
             </a:r>
             <a:endParaRPr lang="en-US" sz="2400" dirty="0"/>
           </a:p>
@@ -4561,15 +4637,7 @@
             <a:pPr lvl="1"/>
             <a:r>
               <a:rPr lang="en-US" dirty="0" smtClean="0"/>
-              <a:t>PHP now, </a:t>
-            </a:r>
-            <a:r>
-              <a:rPr lang="en-US" dirty="0" smtClean="0"/>
-              <a:t>Java and Node </a:t>
-            </a:r>
-            <a:r>
-              <a:rPr lang="en-US" dirty="0" smtClean="0"/>
-              <a:t>in development</a:t>
+              <a:t>PHP now, Java and Node in development</a:t>
             </a:r>
           </a:p>
           <a:p>
@@ -4760,7 +4828,23 @@
           <a:p>
             <a:r>
               <a:rPr lang="en-US" dirty="0" smtClean="0"/>
-              <a:t>And what about Caliper, Casa, </a:t>
+              <a:t>And what about Caliper, </a:t>
+            </a:r>
+            <a:r>
+              <a:rPr lang="en-US" dirty="0" smtClean="0"/>
+              <a:t>Outcomes, </a:t>
+            </a:r>
+            <a:r>
+              <a:rPr lang="en-US" dirty="0" err="1" smtClean="0"/>
+              <a:t>OneRoster</a:t>
+            </a:r>
+            <a:r>
+              <a:rPr lang="en-US" dirty="0" smtClean="0"/>
+              <a:t>, Memberships, Casa</a:t>
+            </a:r>
+            <a:r>
+              <a:rPr lang="en-US" dirty="0" smtClean="0"/>
+              <a:t>, </a:t>
             </a:r>
             <a:r>
               <a:rPr lang="en-US" dirty="0" err="1" smtClean="0"/>
@@ -4853,21 +4937,13 @@
           <a:p>
             <a:r>
               <a:rPr lang="en-US" dirty="0" smtClean="0"/>
-              <a:t>Install </a:t>
-            </a:r>
+              <a:t>Install / Configuration similar to Moodle</a:t>
+            </a:r>
+          </a:p>
+          <a:p>
             <a:r>
               <a:rPr lang="en-US" dirty="0" smtClean="0"/>
-              <a:t>/ Configuration similar to Moodle</a:t>
-            </a:r>
-          </a:p>
-          <a:p>
-            <a:r>
-              <a:rPr lang="en-US" dirty="0" smtClean="0"/>
-              <a:t>Multi</a:t>
-            </a:r>
-            <a:r>
-              <a:rPr lang="en-US" dirty="0" smtClean="0"/>
-              <a:t>-tenant </a:t>
+              <a:t>Multi-tenant </a:t>
             </a:r>
           </a:p>
           <a:p>
@@ -4887,11 +4963,7 @@
           <a:p>
             <a:r>
               <a:rPr lang="en-US" dirty="0" smtClean="0"/>
-              <a:t>Auto</a:t>
-            </a:r>
-            <a:r>
-              <a:rPr lang="en-US" dirty="0" smtClean="0"/>
-              <a:t>-</a:t>
+              <a:t>Auto-</a:t>
             </a:r>
             <a:r>
               <a:rPr lang="en-US" dirty="0" err="1" smtClean="0"/>
@@ -5206,11 +5278,7 @@
           <a:p>
             <a:r>
               <a:rPr lang="en-US" dirty="0" smtClean="0"/>
-              <a:t>Online </a:t>
-            </a:r>
-            <a:r>
-              <a:rPr lang="en-US" dirty="0" smtClean="0"/>
-              <a:t>Demo PHP </a:t>
+              <a:t>Online Demo PHP </a:t>
             </a:r>
             <a:r>
               <a:rPr lang="en-US" dirty="0" err="1" smtClean="0"/>
@@ -5265,13 +5333,8 @@
             <a:pPr lvl="1"/>
             <a:r>
               <a:rPr lang="en-US" dirty="0" smtClean="0"/>
-              <a:t>Developer </a:t>
-            </a:r>
-            <a:r>
-              <a:rPr lang="en-US" dirty="0" smtClean="0"/>
-              <a:t>mode (pw = secret)</a:t>
-            </a:r>
-            <a:endParaRPr lang="en-US" dirty="0" smtClean="0"/>
+              <a:t>Developer mode (pw = secret)</a:t>
+            </a:r>
           </a:p>
           <a:p>
             <a:pPr lvl="1"/>
@@ -5545,15 +5608,7 @@
           <a:p>
             <a:r>
               <a:rPr lang="en-US" sz="2800" dirty="0" smtClean="0"/>
-              <a:t>Currently </a:t>
-            </a:r>
-            <a:r>
-              <a:rPr lang="en-US" sz="2800" dirty="0" smtClean="0"/>
-              <a:t>a </a:t>
-            </a:r>
-            <a:r>
-              <a:rPr lang="en-US" sz="2800" dirty="0" smtClean="0"/>
-              <a:t>library and sample servlet</a:t>
+              <a:t>Currently a library and sample servlet</a:t>
             </a:r>
           </a:p>
           <a:p>
